--- a/en/ProgrammingLessons/beginner/py-Installing.pptx
+++ b/en/ProgrammingLessons/beginner/py-Installing.pptx
@@ -204,7 +204,7 @@
           <a:p>
             <a:fld id="{2B8484CF-5098-F24E-8881-583515D5C406}" type="datetimeFigureOut">
               <a:rPr lang="en-US" smtClean="0"/>
-              <a:t>4/29/19</a:t>
+              <a:t>5/1/19</a:t>
             </a:fld>
             <a:endParaRPr lang="en-US"/>
           </a:p>
@@ -1071,7 +1071,7 @@
           <a:p>
             <a:fld id="{56C99F4A-9450-7C43-AC6F-B84CAA49F7C9}" type="datetime1">
               <a:rPr lang="en-US" smtClean="0"/>
-              <a:t>4/29/19</a:t>
+              <a:t>5/1/19</a:t>
             </a:fld>
             <a:endParaRPr lang="en-US"/>
           </a:p>
@@ -1268,7 +1268,7 @@
           <a:p>
             <a:fld id="{28F33441-212D-1F44-A4C7-5FB13C9D2B6B}" type="datetime1">
               <a:rPr lang="en-US" smtClean="0"/>
-              <a:t>4/29/19</a:t>
+              <a:t>5/1/19</a:t>
             </a:fld>
             <a:endParaRPr lang="en-US"/>
           </a:p>
@@ -1469,7 +1469,7 @@
           <a:p>
             <a:fld id="{BC02BB09-6CEF-4646-877F-5BF72D0BAB07}" type="datetime1">
               <a:rPr lang="en-US" smtClean="0"/>
-              <a:t>4/29/19</a:t>
+              <a:t>5/1/19</a:t>
             </a:fld>
             <a:endParaRPr lang="en-US"/>
           </a:p>
@@ -1640,7 +1640,7 @@
           <a:p>
             <a:fld id="{5512B359-6927-0447-AD83-B6AB908918A7}" type="datetime1">
               <a:rPr lang="en-US" smtClean="0"/>
-              <a:t>4/29/19</a:t>
+              <a:t>5/1/19</a:t>
             </a:fld>
             <a:endParaRPr lang="en-US"/>
           </a:p>
@@ -1888,7 +1888,7 @@
           <a:p>
             <a:fld id="{68C60381-3A9D-9245-BE1F-1B76B739754C}" type="datetime1">
               <a:rPr lang="en-US" smtClean="0"/>
-              <a:t>4/29/19</a:t>
+              <a:t>5/1/19</a:t>
             </a:fld>
             <a:endParaRPr lang="en-US"/>
           </a:p>
@@ -2120,7 +2120,7 @@
           <a:p>
             <a:fld id="{7822371A-3EBC-0A46-A2CC-63EE94B3FB76}" type="datetime1">
               <a:rPr lang="en-US" smtClean="0"/>
-              <a:t>4/29/19</a:t>
+              <a:t>5/1/19</a:t>
             </a:fld>
             <a:endParaRPr lang="en-US"/>
           </a:p>
@@ -2487,7 +2487,7 @@
           <a:p>
             <a:fld id="{8BB1069F-CCE8-6B4A-BD50-695FB33309BE}" type="datetime1">
               <a:rPr lang="en-US" smtClean="0"/>
-              <a:t>4/29/19</a:t>
+              <a:t>5/1/19</a:t>
             </a:fld>
             <a:endParaRPr lang="en-US"/>
           </a:p>
@@ -2607,7 +2607,7 @@
           <a:p>
             <a:fld id="{45C9E67D-08F1-AE49-B4EB-588269DF0CB0}" type="datetime1">
               <a:rPr lang="en-US" smtClean="0"/>
-              <a:t>4/29/19</a:t>
+              <a:t>5/1/19</a:t>
             </a:fld>
             <a:endParaRPr lang="en-US"/>
           </a:p>
@@ -2705,7 +2705,7 @@
           <a:p>
             <a:fld id="{23711A1F-7613-1347-914F-D22FDD29E5DD}" type="datetime1">
               <a:rPr lang="en-US" smtClean="0"/>
-              <a:t>4/29/19</a:t>
+              <a:t>5/1/19</a:t>
             </a:fld>
             <a:endParaRPr lang="en-US"/>
           </a:p>
@@ -2983,7 +2983,7 @@
           <a:p>
             <a:fld id="{79E658CD-A5BC-7B4C-9859-F7CA1794B500}" type="datetime1">
               <a:rPr lang="en-US" smtClean="0"/>
-              <a:t>4/29/19</a:t>
+              <a:t>5/1/19</a:t>
             </a:fld>
             <a:endParaRPr lang="en-US"/>
           </a:p>
@@ -3173,7 +3173,7 @@
           <a:p>
             <a:fld id="{17DFCDAF-C1D8-1848-A902-79D465134357}" type="datetime1">
               <a:rPr lang="en-US" smtClean="0"/>
-              <a:t>4/29/19</a:t>
+              <a:t>5/1/19</a:t>
             </a:fld>
             <a:endParaRPr lang="en-US"/>
           </a:p>
@@ -3444,7 +3444,7 @@
           <a:p>
             <a:fld id="{18CDB46A-B1DB-784F-90D6-0695A8EDB903}" type="datetime1">
               <a:rPr lang="en-US" smtClean="0"/>
-              <a:t>4/29/19</a:t>
+              <a:t>5/1/19</a:t>
             </a:fld>
             <a:endParaRPr lang="en-US"/>
           </a:p>
@@ -3615,7 +3615,7 @@
           <a:p>
             <a:fld id="{6F15A946-EDF3-6943-A19F-3404E32E2591}" type="datetime1">
               <a:rPr lang="en-US" smtClean="0"/>
-              <a:t>4/29/19</a:t>
+              <a:t>5/1/19</a:t>
             </a:fld>
             <a:endParaRPr lang="en-US"/>
           </a:p>
@@ -3796,7 +3796,7 @@
           <a:p>
             <a:fld id="{FA7EF8B0-1DEF-B44D-BC1D-8FFBB6C99F20}" type="datetime1">
               <a:rPr lang="en-US" smtClean="0"/>
-              <a:t>4/29/19</a:t>
+              <a:t>5/1/19</a:t>
             </a:fld>
             <a:endParaRPr lang="en-US"/>
           </a:p>
@@ -4061,7 +4061,7 @@
           <a:p>
             <a:fld id="{6EFB2671-B846-7144-9C69-39B5B388BCD6}" type="datetime1">
               <a:rPr lang="en-US" smtClean="0"/>
-              <a:t>4/29/19</a:t>
+              <a:t>5/1/19</a:t>
             </a:fld>
             <a:endParaRPr lang="en-US"/>
           </a:p>
@@ -4372,7 +4372,7 @@
           <a:p>
             <a:fld id="{39CA2B94-64D5-9344-AC58-FA9308CE75E6}" type="datetime1">
               <a:rPr lang="en-US" smtClean="0"/>
-              <a:t>4/29/19</a:t>
+              <a:t>5/1/19</a:t>
             </a:fld>
             <a:endParaRPr lang="en-US"/>
           </a:p>
@@ -4834,7 +4834,7 @@
           <a:p>
             <a:fld id="{5E36E0DC-1C9D-4F47-8218-53C002623694}" type="datetime1">
               <a:rPr lang="en-US" smtClean="0"/>
-              <a:t>4/29/19</a:t>
+              <a:t>5/1/19</a:t>
             </a:fld>
             <a:endParaRPr lang="en-US"/>
           </a:p>
@@ -4970,7 +4970,7 @@
           <a:p>
             <a:fld id="{CDF55DB1-DC19-8749-96B3-0239668A03B8}" type="datetime1">
               <a:rPr lang="en-US" smtClean="0"/>
-              <a:t>4/29/19</a:t>
+              <a:t>5/1/19</a:t>
             </a:fld>
             <a:endParaRPr lang="en-US"/>
           </a:p>
@@ -5084,7 +5084,7 @@
           <a:p>
             <a:fld id="{A0E3771C-CC91-AD43-984E-599A807BD97F}" type="datetime1">
               <a:rPr lang="en-US" smtClean="0"/>
-              <a:t>4/29/19</a:t>
+              <a:t>5/1/19</a:t>
             </a:fld>
             <a:endParaRPr lang="en-US"/>
           </a:p>
@@ -5350,7 +5350,7 @@
           <a:p>
             <a:fld id="{E1E72B84-1CBD-F848-B6A6-91B7F0CD3A96}" type="datetime1">
               <a:rPr lang="en-US" smtClean="0"/>
-              <a:t>4/29/19</a:t>
+              <a:t>5/1/19</a:t>
             </a:fld>
             <a:endParaRPr lang="en-US"/>
           </a:p>
@@ -5666,7 +5666,7 @@
           <a:p>
             <a:fld id="{5A9497F2-F77F-CA43-A23A-360198D194DE}" type="datetime1">
               <a:rPr lang="en-US" smtClean="0"/>
-              <a:t>4/29/19</a:t>
+              <a:t>5/1/19</a:t>
             </a:fld>
             <a:endParaRPr lang="en-US"/>
           </a:p>
@@ -6540,7 +6540,7 @@
           <a:p>
             <a:fld id="{9A402076-97A0-8D45-9789-45AF81E0AB08}" type="datetime1">
               <a:rPr lang="en-US" smtClean="0"/>
-              <a:t>4/29/19</a:t>
+              <a:t>5/1/19</a:t>
             </a:fld>
             <a:endParaRPr lang="en-US"/>
           </a:p>
@@ -7864,27 +7864,22 @@
                   <a:srgbClr val="FF0000"/>
                 </a:solidFill>
               </a:rPr>
-              <a:t>April 25 Update:</a:t>
-            </a:r>
-          </a:p>
-          <a:p>
-            <a:r>
-              <a:rPr lang="en-US" dirty="0">
-                <a:solidFill>
-                  <a:srgbClr val="FF0000"/>
-                </a:solidFill>
-              </a:rPr>
-              <a:t>There is a known bug. Use this version of Etcher:</a:t>
-            </a:r>
-          </a:p>
-          <a:p>
-            <a:r>
-              <a:rPr lang="en-US" dirty="0">
-                <a:hlinkClick r:id="rId5"/>
-              </a:rPr>
-              <a:t>https://github.com/balena-io/etcher/releases/tag/v1.5.26</a:t>
-            </a:r>
-            <a:endParaRPr lang="en-US" dirty="0"/>
+              <a:t>April 30 Update:</a:t>
+            </a:r>
+          </a:p>
+          <a:p>
+            <a:r>
+              <a:rPr lang="en-US" dirty="0"/>
+              <a:t>A known bug with Etcher was fixed. If you tried </a:t>
+            </a:r>
+            <a:r>
+              <a:rPr lang="en-US"/>
+              <a:t>step 2 and 3 </a:t>
+            </a:r>
+            <a:r>
+              <a:rPr lang="en-US" dirty="0"/>
+              <a:t>before April 30, try again with the newest version.</a:t>
+            </a:r>
           </a:p>
         </p:txBody>
       </p:sp>
@@ -8454,7 +8449,7 @@
           <a:effectLst/>
           <a:extLst>
             <a:ext uri="{91240B29-F687-4f45-9708-019B960494DF}">
-              <a14:hiddenLine xmlns="" xmlns:a14="http://schemas.microsoft.com/office/drawing/2010/main" w="9525">
+              <a14:hiddenLine xmlns:a14="http://schemas.microsoft.com/office/drawing/2010/main" xmlns="" w="9525">
                 <a:solidFill>
                   <a:schemeClr val="tx1"/>
                 </a:solidFill>
@@ -8464,7 +8459,7 @@
               </a14:hiddenLine>
             </a:ext>
             <a:ext uri="{AF507438-7753-43e0-B8FC-AC1667EBCBE1}">
-              <a14:hiddenEffects xmlns="" xmlns:a14="http://schemas.microsoft.com/office/drawing/2010/main">
+              <a14:hiddenEffects xmlns:a14="http://schemas.microsoft.com/office/drawing/2010/main" xmlns="">
                 <a:effectLst>
                   <a:outerShdw dist="35921" dir="2700000" algn="ctr" rotWithShape="0">
                     <a:schemeClr val="bg2"/>
@@ -8805,7 +8800,7 @@
           <a:noFill/>
           <a:extLst>
             <a:ext uri="{909E8E84-426E-40dd-AFC4-6F175D3DCCD1}">
-              <a14:hiddenFill xmlns="" xmlns:a14="http://schemas.microsoft.com/office/drawing/2010/main">
+              <a14:hiddenFill xmlns:a14="http://schemas.microsoft.com/office/drawing/2010/main" xmlns="">
                 <a:solidFill>
                   <a:srgbClr val="FFFFFF"/>
                 </a:solidFill>
